--- a/otchet LaTeX/финалочка/Prezentacia_Nechitaylo_IU7-66B (1).pptx
+++ b/otchet LaTeX/финалочка/Prezentacia_Nechitaylo_IU7-66B (1).pptx
@@ -19,8 +19,8 @@
     <p:sldId id="265" r:id="rId10"/>
     <p:sldId id="266" r:id="rId11"/>
     <p:sldId id="267" r:id="rId12"/>
-    <p:sldId id="269" r:id="rId13"/>
-    <p:sldId id="270" r:id="rId14"/>
+    <p:sldId id="270" r:id="rId13"/>
+    <p:sldId id="269" r:id="rId14"/>
   </p:sldIdLst>
   <p:sldSz cx="12192000" cy="6858000"/>
   <p:notesSz cx="6858000" cy="9144000"/>
@@ -262,6 +262,11 @@
       </a:defRPr>
     </a:lvl9pPr>
   </p:defaultTextStyle>
+  <p:extLst>
+    <p:ext uri="{EFAFB233-063F-42B5-8137-9DF3F51BA10A}">
+      <p15:sldGuideLst xmlns:p15="http://schemas.microsoft.com/office/powerpoint/2012/main"/>
+    </p:ext>
+  </p:extLst>
 </p:presentation>
 </file>
 
@@ -330,18 +335,18 @@
 
 <file path=ppt/comments/comment6.xml><?xml version="1.0" encoding="utf-8"?>
 <p:cmLst xmlns:a="http://schemas.openxmlformats.org/drawingml/2006/main" xmlns:r="http://schemas.openxmlformats.org/officeDocument/2006/relationships" xmlns:p="http://schemas.openxmlformats.org/presentationml/2006/main">
-  <p:cm authorId="0" dt="2021-09-27T00:01:09.350" idx="11">
-    <p:pos x="864" y="432"/>
-    <p:text>Сначала Заключение, а потом уже Улучшения</p:text>
+  <p:cm authorId="0" dt="2021-09-27T00:00:50.367" idx="12">
+    <p:pos x="864" y="1384"/>
+    <p:text>Вместо всего этого текста просто скажите, что "были выполнены следующие задачи" и списком перечислите, как выполненные, задачи со второго слайда</p:text>
   </p:cm>
 </p:cmLst>
 </file>
 
 <file path=ppt/comments/comment7.xml><?xml version="1.0" encoding="utf-8"?>
 <p:cmLst xmlns:a="http://schemas.openxmlformats.org/drawingml/2006/main" xmlns:r="http://schemas.openxmlformats.org/officeDocument/2006/relationships" xmlns:p="http://schemas.openxmlformats.org/presentationml/2006/main">
-  <p:cm authorId="0" dt="2021-09-27T00:00:50.367" idx="12">
-    <p:pos x="864" y="1384"/>
-    <p:text>Вместо всего этого текста просто скажите, что "были выполнены следующие задачи" и списком перечислите, как выполненные, задачи со второго слайда</p:text>
+  <p:cm authorId="0" dt="2021-09-27T00:01:09.350" idx="11">
+    <p:pos x="864" y="432"/>
+    <p:text>Сначала Заключение, а потом уже Улучшения</p:text>
   </p:cm>
 </p:cmLst>
 </file>
@@ -1104,7 +1109,7 @@
   <p:cSld>
     <p:spTree>
       <p:nvGrpSpPr>
-        <p:cNvPr id="1" name="Shape 179"/>
+        <p:cNvPr id="1" name="Shape 185"/>
         <p:cNvGrpSpPr/>
         <p:nvPr/>
       </p:nvGrpSpPr>
@@ -1118,7 +1123,7 @@
       </p:grpSpPr>
       <p:sp>
         <p:nvSpPr>
-          <p:cNvPr id="180" name="Google Shape;180;p14:notes"/>
+          <p:cNvPr id="186" name="Google Shape;186;p15:notes"/>
           <p:cNvSpPr txBox="1">
             <a:spLocks noGrp="1"/>
           </p:cNvSpPr>
@@ -1156,7 +1161,7 @@
       </p:sp>
       <p:sp>
         <p:nvSpPr>
-          <p:cNvPr id="181" name="Google Shape;181;p14:notes"/>
+          <p:cNvPr id="187" name="Google Shape;187;p15:notes"/>
           <p:cNvSpPr>
             <a:spLocks noGrp="1" noRot="1" noChangeAspect="1"/>
           </p:cNvSpPr>
@@ -1208,7 +1213,7 @@
   <p:cSld>
     <p:spTree>
       <p:nvGrpSpPr>
-        <p:cNvPr id="1" name="Shape 185"/>
+        <p:cNvPr id="1" name="Shape 179"/>
         <p:cNvGrpSpPr/>
         <p:nvPr/>
       </p:nvGrpSpPr>
@@ -1222,7 +1227,7 @@
       </p:grpSpPr>
       <p:sp>
         <p:nvSpPr>
-          <p:cNvPr id="186" name="Google Shape;186;p15:notes"/>
+          <p:cNvPr id="180" name="Google Shape;180;p14:notes"/>
           <p:cNvSpPr txBox="1">
             <a:spLocks noGrp="1"/>
           </p:cNvSpPr>
@@ -1260,7 +1265,7 @@
       </p:sp>
       <p:sp>
         <p:nvSpPr>
-          <p:cNvPr id="187" name="Google Shape;187;p15:notes"/>
+          <p:cNvPr id="181" name="Google Shape;181;p14:notes"/>
           <p:cNvSpPr>
             <a:spLocks noGrp="1" noRot="1" noChangeAspect="1"/>
           </p:cNvSpPr>
@@ -14076,6 +14081,194 @@
   <p:cSld>
     <p:spTree>
       <p:nvGrpSpPr>
+        <p:cNvPr id="1" name="Shape 188"/>
+        <p:cNvGrpSpPr/>
+        <p:nvPr/>
+      </p:nvGrpSpPr>
+      <p:grpSpPr>
+        <a:xfrm>
+          <a:off x="0" y="0"/>
+          <a:ext cx="0" cy="0"/>
+          <a:chOff x="0" y="0"/>
+          <a:chExt cx="0" cy="0"/>
+        </a:xfrm>
+      </p:grpSpPr>
+      <p:sp>
+        <p:nvSpPr>
+          <p:cNvPr id="189" name="Google Shape;189;p27"/>
+          <p:cNvSpPr txBox="1">
+            <a:spLocks noGrp="1"/>
+          </p:cNvSpPr>
+          <p:nvPr>
+            <p:ph type="title"/>
+          </p:nvPr>
+        </p:nvSpPr>
+        <p:spPr>
+          <a:xfrm>
+            <a:off x="1371600" y="469232"/>
+            <a:ext cx="9601200" cy="1485900"/>
+          </a:xfrm>
+          <a:prstGeom prst="rect">
+            <a:avLst/>
+          </a:prstGeom>
+          <a:noFill/>
+          <a:ln>
+            <a:noFill/>
+          </a:ln>
+        </p:spPr>
+        <p:txBody>
+          <a:bodyPr spcFirstLastPara="1" wrap="square" lIns="91425" tIns="45700" rIns="91425" bIns="45700" anchor="t" anchorCtr="0">
+            <a:normAutofit/>
+          </a:bodyPr>
+          <a:lstStyle/>
+          <a:p>
+            <a:pPr marL="0" lvl="0" indent="0" algn="l" rtl="0">
+              <a:lnSpc>
+                <a:spcPct val="89000"/>
+              </a:lnSpc>
+              <a:spcBef>
+                <a:spcPts val="0"/>
+              </a:spcBef>
+              <a:spcAft>
+                <a:spcPts val="0"/>
+              </a:spcAft>
+              <a:buClr>
+                <a:schemeClr val="dk1"/>
+              </a:buClr>
+              <a:buSzPts val="4400"/>
+              <a:buFont typeface="Times New Roman"/>
+              <a:buNone/>
+            </a:pPr>
+            <a:r>
+              <a:rPr lang="ru-RU">
+                <a:solidFill>
+                  <a:schemeClr val="dk1"/>
+                </a:solidFill>
+                <a:latin typeface="Times New Roman"/>
+                <a:ea typeface="Times New Roman"/>
+                <a:cs typeface="Times New Roman"/>
+                <a:sym typeface="Times New Roman"/>
+              </a:rPr>
+              <a:t> Заключение </a:t>
+            </a:r>
+            <a:endParaRPr>
+              <a:latin typeface="Times New Roman"/>
+              <a:ea typeface="Times New Roman"/>
+              <a:cs typeface="Times New Roman"/>
+              <a:sym typeface="Times New Roman"/>
+            </a:endParaRPr>
+          </a:p>
+        </p:txBody>
+      </p:sp>
+      <p:sp>
+        <p:nvSpPr>
+          <p:cNvPr id="190" name="Google Shape;190;p27"/>
+          <p:cNvSpPr txBox="1">
+            <a:spLocks noGrp="1"/>
+          </p:cNvSpPr>
+          <p:nvPr>
+            <p:ph type="body" idx="1"/>
+          </p:nvPr>
+        </p:nvSpPr>
+        <p:spPr>
+          <a:xfrm>
+            <a:off x="1371600" y="2197768"/>
+            <a:ext cx="9601200" cy="3581400"/>
+          </a:xfrm>
+          <a:prstGeom prst="rect">
+            <a:avLst/>
+          </a:prstGeom>
+          <a:noFill/>
+          <a:ln>
+            <a:noFill/>
+          </a:ln>
+        </p:spPr>
+        <p:txBody>
+          <a:bodyPr spcFirstLastPara="1" wrap="square" lIns="91425" tIns="45700" rIns="91425" bIns="45700" anchor="t" anchorCtr="0">
+            <a:normAutofit/>
+          </a:bodyPr>
+          <a:lstStyle/>
+          <a:p>
+            <a:pPr marL="0" lvl="0" indent="0" algn="l" rtl="0">
+              <a:lnSpc>
+                <a:spcPct val="94000"/>
+              </a:lnSpc>
+              <a:spcBef>
+                <a:spcPts val="0"/>
+              </a:spcBef>
+              <a:spcAft>
+                <a:spcPts val="0"/>
+              </a:spcAft>
+              <a:buClr>
+                <a:schemeClr val="dk2"/>
+              </a:buClr>
+              <a:buSzPts val="2000"/>
+              <a:buNone/>
+            </a:pPr>
+            <a:r>
+              <a:rPr lang="ru-RU">
+                <a:latin typeface="Times New Roman"/>
+                <a:ea typeface="Times New Roman"/>
+                <a:cs typeface="Times New Roman"/>
+                <a:sym typeface="Times New Roman"/>
+              </a:rPr>
+              <a:t>	В рамках курсового проекта было разработано веб-приложение, интернет магазин, который позволяет в одной программе покупателям оформлять заказы, редактировать и удалять их, просматривать товары. Продавцы могу работать с заказами покупателей, а так же добавлять новые товары. Администраторы имеют возможность работать с пользователями, удалять их и менять их роли в приложении.</a:t>
+            </a:r>
+            <a:endParaRPr/>
+          </a:p>
+        </p:txBody>
+      </p:sp>
+      <p:sp>
+        <p:nvSpPr>
+          <p:cNvPr id="2" name="Номер слайда 1">
+            <a:extLst>
+              <a:ext uri="{FF2B5EF4-FFF2-40B4-BE49-F238E27FC236}">
+                <a16:creationId xmlns:a16="http://schemas.microsoft.com/office/drawing/2014/main" id="{121D2B37-C75E-47FD-B577-EE8A4404592D}"/>
+              </a:ext>
+            </a:extLst>
+          </p:cNvPr>
+          <p:cNvSpPr>
+            <a:spLocks noGrp="1"/>
+          </p:cNvSpPr>
+          <p:nvPr>
+            <p:ph type="sldNum" idx="12"/>
+          </p:nvPr>
+        </p:nvSpPr>
+        <p:spPr/>
+        <p:txBody>
+          <a:bodyPr/>
+          <a:lstStyle/>
+          <a:p>
+            <a:pPr marL="0" lvl="0" indent="0" algn="r" rtl="0">
+              <a:spcBef>
+                <a:spcPts val="0"/>
+              </a:spcBef>
+              <a:spcAft>
+                <a:spcPts val="0"/>
+              </a:spcAft>
+              <a:buNone/>
+            </a:pPr>
+            <a:fld id="{00000000-1234-1234-1234-123412341234}" type="slidenum">
+              <a:rPr lang="ru-RU" smtClean="0"/>
+              <a:t>12</a:t>
+            </a:fld>
+            <a:endParaRPr lang="ru-RU"/>
+          </a:p>
+        </p:txBody>
+      </p:sp>
+    </p:spTree>
+  </p:cSld>
+  <p:clrMapOvr>
+    <a:masterClrMapping/>
+  </p:clrMapOvr>
+</p:sld>
+</file>
+
+<file path=ppt/slides/slide13.xml><?xml version="1.0" encoding="utf-8"?>
+<p:sld xmlns:a="http://schemas.openxmlformats.org/drawingml/2006/main" xmlns:r="http://schemas.openxmlformats.org/officeDocument/2006/relationships" xmlns:p="http://schemas.openxmlformats.org/presentationml/2006/main">
+  <p:cSld>
+    <p:spTree>
+      <p:nvGrpSpPr>
         <p:cNvPr id="1" name="Shape 182"/>
         <p:cNvGrpSpPr/>
         <p:nvPr/>
@@ -14331,194 +14524,6 @@
             <a:extLst>
               <a:ext uri="{FF2B5EF4-FFF2-40B4-BE49-F238E27FC236}">
                 <a16:creationId xmlns:a16="http://schemas.microsoft.com/office/drawing/2014/main" id="{8778FBB0-3B4F-4F3E-AC9D-09FFEA7BAFA3}"/>
-              </a:ext>
-            </a:extLst>
-          </p:cNvPr>
-          <p:cNvSpPr>
-            <a:spLocks noGrp="1"/>
-          </p:cNvSpPr>
-          <p:nvPr>
-            <p:ph type="sldNum" idx="12"/>
-          </p:nvPr>
-        </p:nvSpPr>
-        <p:spPr/>
-        <p:txBody>
-          <a:bodyPr/>
-          <a:lstStyle/>
-          <a:p>
-            <a:pPr marL="0" lvl="0" indent="0" algn="r" rtl="0">
-              <a:spcBef>
-                <a:spcPts val="0"/>
-              </a:spcBef>
-              <a:spcAft>
-                <a:spcPts val="0"/>
-              </a:spcAft>
-              <a:buNone/>
-            </a:pPr>
-            <a:fld id="{00000000-1234-1234-1234-123412341234}" type="slidenum">
-              <a:rPr lang="ru-RU" smtClean="0"/>
-              <a:t>12</a:t>
-            </a:fld>
-            <a:endParaRPr lang="ru-RU"/>
-          </a:p>
-        </p:txBody>
-      </p:sp>
-    </p:spTree>
-  </p:cSld>
-  <p:clrMapOvr>
-    <a:masterClrMapping/>
-  </p:clrMapOvr>
-</p:sld>
-</file>
-
-<file path=ppt/slides/slide13.xml><?xml version="1.0" encoding="utf-8"?>
-<p:sld xmlns:a="http://schemas.openxmlformats.org/drawingml/2006/main" xmlns:r="http://schemas.openxmlformats.org/officeDocument/2006/relationships" xmlns:p="http://schemas.openxmlformats.org/presentationml/2006/main">
-  <p:cSld>
-    <p:spTree>
-      <p:nvGrpSpPr>
-        <p:cNvPr id="1" name="Shape 188"/>
-        <p:cNvGrpSpPr/>
-        <p:nvPr/>
-      </p:nvGrpSpPr>
-      <p:grpSpPr>
-        <a:xfrm>
-          <a:off x="0" y="0"/>
-          <a:ext cx="0" cy="0"/>
-          <a:chOff x="0" y="0"/>
-          <a:chExt cx="0" cy="0"/>
-        </a:xfrm>
-      </p:grpSpPr>
-      <p:sp>
-        <p:nvSpPr>
-          <p:cNvPr id="189" name="Google Shape;189;p27"/>
-          <p:cNvSpPr txBox="1">
-            <a:spLocks noGrp="1"/>
-          </p:cNvSpPr>
-          <p:nvPr>
-            <p:ph type="title"/>
-          </p:nvPr>
-        </p:nvSpPr>
-        <p:spPr>
-          <a:xfrm>
-            <a:off x="1371600" y="469232"/>
-            <a:ext cx="9601200" cy="1485900"/>
-          </a:xfrm>
-          <a:prstGeom prst="rect">
-            <a:avLst/>
-          </a:prstGeom>
-          <a:noFill/>
-          <a:ln>
-            <a:noFill/>
-          </a:ln>
-        </p:spPr>
-        <p:txBody>
-          <a:bodyPr spcFirstLastPara="1" wrap="square" lIns="91425" tIns="45700" rIns="91425" bIns="45700" anchor="t" anchorCtr="0">
-            <a:normAutofit/>
-          </a:bodyPr>
-          <a:lstStyle/>
-          <a:p>
-            <a:pPr marL="0" lvl="0" indent="0" algn="l" rtl="0">
-              <a:lnSpc>
-                <a:spcPct val="89000"/>
-              </a:lnSpc>
-              <a:spcBef>
-                <a:spcPts val="0"/>
-              </a:spcBef>
-              <a:spcAft>
-                <a:spcPts val="0"/>
-              </a:spcAft>
-              <a:buClr>
-                <a:schemeClr val="dk1"/>
-              </a:buClr>
-              <a:buSzPts val="4400"/>
-              <a:buFont typeface="Times New Roman"/>
-              <a:buNone/>
-            </a:pPr>
-            <a:r>
-              <a:rPr lang="ru-RU">
-                <a:solidFill>
-                  <a:schemeClr val="dk1"/>
-                </a:solidFill>
-                <a:latin typeface="Times New Roman"/>
-                <a:ea typeface="Times New Roman"/>
-                <a:cs typeface="Times New Roman"/>
-                <a:sym typeface="Times New Roman"/>
-              </a:rPr>
-              <a:t> Заключение </a:t>
-            </a:r>
-            <a:endParaRPr>
-              <a:latin typeface="Times New Roman"/>
-              <a:ea typeface="Times New Roman"/>
-              <a:cs typeface="Times New Roman"/>
-              <a:sym typeface="Times New Roman"/>
-            </a:endParaRPr>
-          </a:p>
-        </p:txBody>
-      </p:sp>
-      <p:sp>
-        <p:nvSpPr>
-          <p:cNvPr id="190" name="Google Shape;190;p27"/>
-          <p:cNvSpPr txBox="1">
-            <a:spLocks noGrp="1"/>
-          </p:cNvSpPr>
-          <p:nvPr>
-            <p:ph type="body" idx="1"/>
-          </p:nvPr>
-        </p:nvSpPr>
-        <p:spPr>
-          <a:xfrm>
-            <a:off x="1371600" y="2197768"/>
-            <a:ext cx="9601200" cy="3581400"/>
-          </a:xfrm>
-          <a:prstGeom prst="rect">
-            <a:avLst/>
-          </a:prstGeom>
-          <a:noFill/>
-          <a:ln>
-            <a:noFill/>
-          </a:ln>
-        </p:spPr>
-        <p:txBody>
-          <a:bodyPr spcFirstLastPara="1" wrap="square" lIns="91425" tIns="45700" rIns="91425" bIns="45700" anchor="t" anchorCtr="0">
-            <a:normAutofit/>
-          </a:bodyPr>
-          <a:lstStyle/>
-          <a:p>
-            <a:pPr marL="0" lvl="0" indent="0" algn="l" rtl="0">
-              <a:lnSpc>
-                <a:spcPct val="94000"/>
-              </a:lnSpc>
-              <a:spcBef>
-                <a:spcPts val="0"/>
-              </a:spcBef>
-              <a:spcAft>
-                <a:spcPts val="0"/>
-              </a:spcAft>
-              <a:buClr>
-                <a:schemeClr val="dk2"/>
-              </a:buClr>
-              <a:buSzPts val="2000"/>
-              <a:buNone/>
-            </a:pPr>
-            <a:r>
-              <a:rPr lang="ru-RU">
-                <a:latin typeface="Times New Roman"/>
-                <a:ea typeface="Times New Roman"/>
-                <a:cs typeface="Times New Roman"/>
-                <a:sym typeface="Times New Roman"/>
-              </a:rPr>
-              <a:t>	В рамках курсового проекта было разработано веб-приложение, интернет магазин, который позволяет в одной программе покупателям оформлять заказы, редактировать и удалять их, просматривать товары. Продавцы могу работать с заказами покупателей, а так же добавлять новые товары. Администраторы имеют возможность работать с пользователями, удалять их и менять их роли в приложении.</a:t>
-            </a:r>
-            <a:endParaRPr/>
-          </a:p>
-        </p:txBody>
-      </p:sp>
-      <p:sp>
-        <p:nvSpPr>
-          <p:cNvPr id="2" name="Номер слайда 1">
-            <a:extLst>
-              <a:ext uri="{FF2B5EF4-FFF2-40B4-BE49-F238E27FC236}">
-                <a16:creationId xmlns:a16="http://schemas.microsoft.com/office/drawing/2014/main" id="{121D2B37-C75E-47FD-B577-EE8A4404592D}"/>
               </a:ext>
             </a:extLst>
           </p:cNvPr>

--- a/otchet LaTeX/финалочка/Prezentacia_Nechitaylo_IU7-66B (1).pptx
+++ b/otchet LaTeX/финалочка/Prezentacia_Nechitaylo_IU7-66B (1).pptx
@@ -15534,7 +15534,7 @@
         </p:blipFill>
         <p:spPr>
           <a:xfrm>
-            <a:off x="5285507" y="131618"/>
+            <a:off x="5058861" y="0"/>
             <a:ext cx="6594764" cy="6594764"/>
           </a:xfrm>
           <a:prstGeom prst="rect">

--- a/otchet LaTeX/финалочка/Prezentacia_Nechitaylo_IU7-66B (1).pptx
+++ b/otchet LaTeX/финалочка/Prezentacia_Nechitaylo_IU7-66B (1).pptx
@@ -14,8 +14,8 @@
     <p:sldId id="263" r:id="rId5"/>
     <p:sldId id="261" r:id="rId6"/>
     <p:sldId id="262" r:id="rId7"/>
-    <p:sldId id="260" r:id="rId8"/>
-    <p:sldId id="264" r:id="rId9"/>
+    <p:sldId id="264" r:id="rId8"/>
+    <p:sldId id="260" r:id="rId9"/>
     <p:sldId id="265" r:id="rId10"/>
     <p:sldId id="266" r:id="rId11"/>
     <p:sldId id="267" r:id="rId12"/>
@@ -1837,7 +1837,7 @@
   <p:cSld>
     <p:spTree>
       <p:nvGrpSpPr>
-        <p:cNvPr id="1" name="Shape 117"/>
+        <p:cNvPr id="1" name="Shape 144"/>
         <p:cNvGrpSpPr/>
         <p:nvPr/>
       </p:nvGrpSpPr>
@@ -1851,7 +1851,7 @@
       </p:grpSpPr>
       <p:sp>
         <p:nvSpPr>
-          <p:cNvPr id="118" name="Google Shape;118;p5:notes"/>
+          <p:cNvPr id="145" name="Google Shape;145;p9:notes"/>
           <p:cNvSpPr txBox="1">
             <a:spLocks noGrp="1"/>
           </p:cNvSpPr>
@@ -1889,7 +1889,7 @@
       </p:sp>
       <p:sp>
         <p:nvSpPr>
-          <p:cNvPr id="119" name="Google Shape;119;p5:notes"/>
+          <p:cNvPr id="146" name="Google Shape;146;p9:notes"/>
           <p:cNvSpPr>
             <a:spLocks noGrp="1" noRot="1" noChangeAspect="1"/>
           </p:cNvSpPr>
@@ -1941,7 +1941,7 @@
   <p:cSld>
     <p:spTree>
       <p:nvGrpSpPr>
-        <p:cNvPr id="1" name="Shape 144"/>
+        <p:cNvPr id="1" name="Shape 117"/>
         <p:cNvGrpSpPr/>
         <p:nvPr/>
       </p:nvGrpSpPr>
@@ -1955,7 +1955,7 @@
       </p:grpSpPr>
       <p:sp>
         <p:nvSpPr>
-          <p:cNvPr id="145" name="Google Shape;145;p9:notes"/>
+          <p:cNvPr id="118" name="Google Shape;118;p5:notes"/>
           <p:cNvSpPr txBox="1">
             <a:spLocks noGrp="1"/>
           </p:cNvSpPr>
@@ -1993,7 +1993,7 @@
       </p:sp>
       <p:sp>
         <p:nvSpPr>
-          <p:cNvPr id="146" name="Google Shape;146;p9:notes"/>
+          <p:cNvPr id="119" name="Google Shape;119;p5:notes"/>
           <p:cNvSpPr>
             <a:spLocks noGrp="1" noRot="1" noChangeAspect="1"/>
           </p:cNvSpPr>
@@ -14140,7 +14140,7 @@
               <a:buNone/>
             </a:pPr>
             <a:r>
-              <a:rPr lang="ru-RU">
+              <a:rPr lang="ru-RU" dirty="0">
                 <a:solidFill>
                   <a:schemeClr val="dk1"/>
                 </a:solidFill>
@@ -14151,7 +14151,7 @@
               </a:rPr>
               <a:t> Заключение </a:t>
             </a:r>
-            <a:endParaRPr>
+            <a:endParaRPr dirty="0">
               <a:latin typeface="Times New Roman"/>
               <a:ea typeface="Times New Roman"/>
               <a:cs typeface="Times New Roman"/>
@@ -14189,9 +14189,9 @@
           </a:bodyPr>
           <a:lstStyle/>
           <a:p>
-            <a:pPr marL="0" lvl="0" indent="0" algn="l" rtl="0">
-              <a:lnSpc>
-                <a:spcPct val="94000"/>
+            <a:pPr marL="0" lvl="0" indent="0" algn="just" rtl="0">
+              <a:lnSpc>
+                <a:spcPct val="150000"/>
               </a:lnSpc>
               <a:spcBef>
                 <a:spcPts val="0"/>
@@ -14206,15 +14206,190 @@
               <a:buNone/>
             </a:pPr>
             <a:r>
-              <a:rPr lang="ru-RU">
+              <a:rPr lang="ru-RU" dirty="0">
                 <a:latin typeface="Times New Roman"/>
                 <a:ea typeface="Times New Roman"/>
                 <a:cs typeface="Times New Roman"/>
                 <a:sym typeface="Times New Roman"/>
               </a:rPr>
-              <a:t>	В рамках курсового проекта было разработано веб-приложение, интернет магазин, который позволяет в одной программе покупателям оформлять заказы, редактировать и удалять их, просматривать товары. Продавцы могу работать с заказами покупателей, а так же добавлять новые товары. Администраторы имеют возможность работать с пользователями, удалять их и менять их роли в приложении.</a:t>
+              <a:t>	В результате курсового проекта были выполнены следующие задачи:</a:t>
             </a:r>
-            <a:endParaRPr/>
+          </a:p>
+          <a:p>
+            <a:pPr marL="342900" algn="just">
+              <a:lnSpc>
+                <a:spcPct val="150000"/>
+              </a:lnSpc>
+              <a:spcBef>
+                <a:spcPts val="0"/>
+              </a:spcBef>
+              <a:buSzPts val="2000"/>
+            </a:pPr>
+            <a:r>
+              <a:rPr lang="ru-RU" dirty="0">
+                <a:latin typeface="Times New Roman"/>
+                <a:cs typeface="Times New Roman"/>
+                <a:sym typeface="Times New Roman"/>
+              </a:rPr>
+              <a:t>проанализирована предметная область;</a:t>
+            </a:r>
+          </a:p>
+          <a:p>
+            <a:pPr marL="342900" algn="just">
+              <a:lnSpc>
+                <a:spcPct val="150000"/>
+              </a:lnSpc>
+              <a:spcBef>
+                <a:spcPts val="0"/>
+              </a:spcBef>
+              <a:buSzPts val="2000"/>
+            </a:pPr>
+            <a:r>
+              <a:rPr lang="ru-RU" dirty="0">
+                <a:latin typeface="Times New Roman"/>
+                <a:cs typeface="Times New Roman"/>
+                <a:sym typeface="Times New Roman"/>
+              </a:rPr>
+              <a:t>проанализированы типы БД и СУБД;</a:t>
+            </a:r>
+          </a:p>
+          <a:p>
+            <a:pPr marL="342900" algn="just">
+              <a:lnSpc>
+                <a:spcPct val="150000"/>
+              </a:lnSpc>
+              <a:spcBef>
+                <a:spcPts val="0"/>
+              </a:spcBef>
+              <a:buSzPts val="2000"/>
+            </a:pPr>
+            <a:r>
+              <a:rPr lang="ru-RU" dirty="0">
+                <a:latin typeface="Times New Roman"/>
+                <a:cs typeface="Times New Roman"/>
+                <a:sym typeface="Times New Roman"/>
+              </a:rPr>
+              <a:t>построены диаграммы </a:t>
+            </a:r>
+            <a:r>
+              <a:rPr lang="en-US" dirty="0">
+                <a:latin typeface="Times New Roman"/>
+                <a:cs typeface="Times New Roman"/>
+                <a:sym typeface="Times New Roman"/>
+              </a:rPr>
+              <a:t>ER </a:t>
+            </a:r>
+            <a:r>
+              <a:rPr lang="ru-RU" dirty="0">
+                <a:latin typeface="Times New Roman"/>
+                <a:cs typeface="Times New Roman"/>
+                <a:sym typeface="Times New Roman"/>
+              </a:rPr>
+              <a:t>и </a:t>
+            </a:r>
+            <a:r>
+              <a:rPr lang="en-US" dirty="0">
+                <a:latin typeface="Times New Roman"/>
+                <a:cs typeface="Times New Roman"/>
+                <a:sym typeface="Times New Roman"/>
+              </a:rPr>
+              <a:t>Use-case </a:t>
+            </a:r>
+            <a:r>
+              <a:rPr lang="ru-RU" dirty="0">
+                <a:latin typeface="Times New Roman"/>
+                <a:cs typeface="Times New Roman"/>
+                <a:sym typeface="Times New Roman"/>
+              </a:rPr>
+              <a:t>на основе проведенного анализа;</a:t>
+            </a:r>
+          </a:p>
+          <a:p>
+            <a:pPr marL="342900" algn="just">
+              <a:lnSpc>
+                <a:spcPct val="150000"/>
+              </a:lnSpc>
+              <a:spcBef>
+                <a:spcPts val="0"/>
+              </a:spcBef>
+              <a:buSzPts val="2000"/>
+            </a:pPr>
+            <a:r>
+              <a:rPr lang="ru-RU" dirty="0">
+                <a:latin typeface="Times New Roman"/>
+                <a:cs typeface="Times New Roman"/>
+                <a:sym typeface="Times New Roman"/>
+              </a:rPr>
+              <a:t>выбраны инструменты для разработки;</a:t>
+            </a:r>
+          </a:p>
+          <a:p>
+            <a:pPr marL="342900" algn="just">
+              <a:lnSpc>
+                <a:spcPct val="150000"/>
+              </a:lnSpc>
+              <a:spcBef>
+                <a:spcPts val="0"/>
+              </a:spcBef>
+              <a:buSzPts val="2000"/>
+            </a:pPr>
+            <a:r>
+              <a:rPr lang="ru-RU" dirty="0">
+                <a:latin typeface="Times New Roman"/>
+                <a:cs typeface="Times New Roman"/>
+                <a:sym typeface="Times New Roman"/>
+              </a:rPr>
+              <a:t>разработано веб-приложение реализующее функционал интернет-магазина.</a:t>
+            </a:r>
+          </a:p>
+          <a:p>
+            <a:pPr marL="0" indent="0" algn="just">
+              <a:lnSpc>
+                <a:spcPct val="150000"/>
+              </a:lnSpc>
+              <a:spcBef>
+                <a:spcPts val="0"/>
+              </a:spcBef>
+              <a:buSzPts val="2000"/>
+              <a:buNone/>
+            </a:pPr>
+            <a:endParaRPr lang="ru-RU" dirty="0">
+              <a:latin typeface="Times New Roman"/>
+              <a:cs typeface="Times New Roman"/>
+              <a:sym typeface="Times New Roman"/>
+            </a:endParaRPr>
+          </a:p>
+          <a:p>
+            <a:pPr marL="342900" algn="just">
+              <a:lnSpc>
+                <a:spcPct val="150000"/>
+              </a:lnSpc>
+              <a:spcBef>
+                <a:spcPts val="0"/>
+              </a:spcBef>
+              <a:buSzPts val="2000"/>
+            </a:pPr>
+            <a:endParaRPr lang="ru-RU" dirty="0">
+              <a:latin typeface="Times New Roman"/>
+              <a:cs typeface="Times New Roman"/>
+              <a:sym typeface="Times New Roman"/>
+            </a:endParaRPr>
+          </a:p>
+          <a:p>
+            <a:pPr marL="342900" algn="just">
+              <a:lnSpc>
+                <a:spcPct val="150000"/>
+              </a:lnSpc>
+              <a:spcBef>
+                <a:spcPts val="0"/>
+              </a:spcBef>
+              <a:buSzPts val="2000"/>
+            </a:pPr>
+            <a:endParaRPr lang="ru-RU" dirty="0">
+              <a:latin typeface="Times New Roman"/>
+              <a:cs typeface="Times New Roman"/>
+              <a:sym typeface="Times New Roman"/>
+            </a:endParaRPr>
           </a:p>
         </p:txBody>
       </p:sp>
@@ -14328,7 +14503,7 @@
               <a:buNone/>
             </a:pPr>
             <a:r>
-              <a:rPr lang="ru-RU">
+              <a:rPr lang="ru-RU" dirty="0">
                 <a:solidFill>
                   <a:schemeClr val="dk1"/>
                 </a:solidFill>
@@ -14339,7 +14514,7 @@
               </a:rPr>
               <a:t> Возможные улучшения </a:t>
             </a:r>
-            <a:endParaRPr>
+            <a:endParaRPr dirty="0">
               <a:latin typeface="Times New Roman"/>
               <a:ea typeface="Times New Roman"/>
               <a:cs typeface="Times New Roman"/>
@@ -14394,7 +14569,7 @@
               <a:buChar char="■"/>
             </a:pPr>
             <a:r>
-              <a:rPr lang="ru-RU">
+              <a:rPr lang="ru-RU" dirty="0">
                 <a:latin typeface="Times New Roman"/>
                 <a:ea typeface="Times New Roman"/>
                 <a:cs typeface="Times New Roman"/>
@@ -14402,7 +14577,7 @@
               </a:rPr>
               <a:t>Увеличение количество видов продаваемых животных</a:t>
             </a:r>
-            <a:endParaRPr/>
+            <a:endParaRPr dirty="0"/>
           </a:p>
           <a:p>
             <a:pPr marL="384048" lvl="0" indent="-384048" algn="l" rtl="0">
@@ -14422,7 +14597,7 @@
               <a:buChar char="■"/>
             </a:pPr>
             <a:r>
-              <a:rPr lang="ru-RU">
+              <a:rPr lang="ru-RU" dirty="0">
                 <a:latin typeface="Times New Roman"/>
                 <a:ea typeface="Times New Roman"/>
                 <a:cs typeface="Times New Roman"/>
@@ -14430,7 +14605,7 @@
               </a:rPr>
               <a:t>Сделать приложение открытым для внешнего доступа</a:t>
             </a:r>
-            <a:endParaRPr/>
+            <a:endParaRPr dirty="0"/>
           </a:p>
           <a:p>
             <a:pPr marL="384048" lvl="0" indent="-384048" algn="l" rtl="0">
@@ -14450,7 +14625,7 @@
               <a:buChar char="■"/>
             </a:pPr>
             <a:r>
-              <a:rPr lang="ru-RU">
+              <a:rPr lang="ru-RU" dirty="0">
                 <a:latin typeface="Times New Roman"/>
                 <a:ea typeface="Times New Roman"/>
                 <a:cs typeface="Times New Roman"/>
@@ -14458,7 +14633,7 @@
               </a:rPr>
               <a:t>Поддержка нескольких одновременных пользователей</a:t>
             </a:r>
-            <a:endParaRPr/>
+            <a:endParaRPr dirty="0"/>
           </a:p>
           <a:p>
             <a:pPr marL="384048" lvl="0" indent="-384048" algn="l" rtl="0">
@@ -14478,7 +14653,7 @@
               <a:buChar char="■"/>
             </a:pPr>
             <a:r>
-              <a:rPr lang="ru-RU">
+              <a:rPr lang="ru-RU" dirty="0">
                 <a:latin typeface="Times New Roman"/>
                 <a:ea typeface="Times New Roman"/>
                 <a:cs typeface="Times New Roman"/>
@@ -14486,7 +14661,7 @@
               </a:rPr>
               <a:t>Чат для взаимодействия активных пользователей приложения</a:t>
             </a:r>
-            <a:endParaRPr/>
+            <a:endParaRPr dirty="0"/>
           </a:p>
           <a:p>
             <a:pPr marL="384048" lvl="0" indent="-384048" algn="l" rtl="0">
@@ -14506,7 +14681,7 @@
               <a:buChar char="■"/>
             </a:pPr>
             <a:r>
-              <a:rPr lang="ru-RU">
+              <a:rPr lang="ru-RU" dirty="0">
                 <a:latin typeface="Times New Roman"/>
                 <a:ea typeface="Times New Roman"/>
                 <a:cs typeface="Times New Roman"/>
@@ -14514,7 +14689,7 @@
               </a:rPr>
               <a:t>Поддержка подключения приложения и работы с различными СУБД</a:t>
             </a:r>
-            <a:endParaRPr/>
+            <a:endParaRPr dirty="0"/>
           </a:p>
         </p:txBody>
       </p:sp>
@@ -14705,7 +14880,7 @@
               <a:buNone/>
             </a:pPr>
             <a:r>
-              <a:rPr lang="ru-RU" b="1">
+              <a:rPr lang="ru-RU" b="1" dirty="0">
                 <a:latin typeface="Times New Roman"/>
                 <a:ea typeface="Times New Roman"/>
                 <a:cs typeface="Times New Roman"/>
@@ -14714,99 +14889,15 @@
               <a:t>Цель проекта:  </a:t>
             </a:r>
             <a:r>
-              <a:rPr lang="ru-RU">
+              <a:rPr lang="ru-RU" dirty="0">
                 <a:latin typeface="Times New Roman"/>
                 <a:ea typeface="Times New Roman"/>
                 <a:cs typeface="Times New Roman"/>
                 <a:sym typeface="Times New Roman"/>
               </a:rPr>
-              <a:t>разработка веб-приложения, предоставляющего возможности покупателям для заказа, поиска, выбора домашних животных и продавцам для взаимодействия с покупателями и их заказами, мониторингом товаров интернет-магазина.</a:t>
+              <a:t>анализ предметной области, типов БД и СУБД, их преимуществ и недостатков. Далее необходимо выбрать инструменты и среду для разработки на основе анализа проведенного ранее. Потом, с использованием выбранных инструментов, разработка веб-приложения реализующего функционал интернет-магазина.</a:t>
             </a:r>
-            <a:endParaRPr/>
-          </a:p>
-          <a:p>
-            <a:pPr marL="0" lvl="0" indent="0" algn="l" rtl="0">
-              <a:lnSpc>
-                <a:spcPct val="94000"/>
-              </a:lnSpc>
-              <a:spcBef>
-                <a:spcPts val="1200"/>
-              </a:spcBef>
-              <a:spcAft>
-                <a:spcPts val="0"/>
-              </a:spcAft>
-              <a:buClr>
-                <a:schemeClr val="dk2"/>
-              </a:buClr>
-              <a:buSzPts val="2000"/>
-              <a:buNone/>
-            </a:pPr>
-            <a:r>
-              <a:rPr lang="ru-RU" b="1">
-                <a:latin typeface="Times New Roman"/>
-                <a:ea typeface="Times New Roman"/>
-                <a:cs typeface="Times New Roman"/>
-                <a:sym typeface="Times New Roman"/>
-              </a:rPr>
-              <a:t>Задачи проекта:</a:t>
-            </a:r>
-            <a:endParaRPr/>
-          </a:p>
-          <a:p>
-            <a:pPr marL="384048" lvl="0" indent="-384048" algn="l" rtl="0">
-              <a:lnSpc>
-                <a:spcPct val="94000"/>
-              </a:lnSpc>
-              <a:spcBef>
-                <a:spcPts val="1200"/>
-              </a:spcBef>
-              <a:spcAft>
-                <a:spcPts val="0"/>
-              </a:spcAft>
-              <a:buClr>
-                <a:schemeClr val="dk2"/>
-              </a:buClr>
-              <a:buSzPts val="2000"/>
-              <a:buChar char="■"/>
-            </a:pPr>
-            <a:r>
-              <a:rPr lang="ru-RU" b="1">
-                <a:latin typeface="Times New Roman"/>
-                <a:ea typeface="Times New Roman"/>
-                <a:cs typeface="Times New Roman"/>
-                <a:sym typeface="Times New Roman"/>
-              </a:rPr>
-              <a:t>Создать единое приложение для покупателей и продавцов </a:t>
-            </a:r>
-            <a:endParaRPr/>
-          </a:p>
-          <a:p>
-            <a:pPr marL="384048" lvl="0" indent="-384048" algn="l" rtl="0">
-              <a:lnSpc>
-                <a:spcPct val="94000"/>
-              </a:lnSpc>
-              <a:spcBef>
-                <a:spcPts val="1200"/>
-              </a:spcBef>
-              <a:spcAft>
-                <a:spcPts val="0"/>
-              </a:spcAft>
-              <a:buClr>
-                <a:schemeClr val="dk2"/>
-              </a:buClr>
-              <a:buSzPts val="2000"/>
-              <a:buChar char="■"/>
-            </a:pPr>
-            <a:r>
-              <a:rPr lang="ru-RU" b="1">
-                <a:latin typeface="Times New Roman"/>
-                <a:ea typeface="Times New Roman"/>
-                <a:cs typeface="Times New Roman"/>
-                <a:sym typeface="Times New Roman"/>
-              </a:rPr>
-              <a:t>Сделать удобный и лаконичный интерфейс и функционал</a:t>
-            </a:r>
-            <a:endParaRPr/>
+            <a:endParaRPr dirty="0"/>
           </a:p>
         </p:txBody>
       </p:sp>
@@ -15006,7 +15097,7 @@
                 <a:cs typeface="Times New Roman"/>
                 <a:sym typeface="Times New Roman"/>
               </a:rPr>
-              <a:t>Проведен анализ существующих интернет-магазинов</a:t>
+              <a:t>проведен анализ существующих интернет-магазинов</a:t>
             </a:r>
             <a:r>
               <a:rPr lang="ru-RU" sz="2000" dirty="0">
@@ -15040,6 +15131,18 @@
               <a:buChar char="■"/>
             </a:pPr>
             <a:r>
+              <a:rPr lang="ru-RU" dirty="0">
+                <a:solidFill>
+                  <a:schemeClr val="dk1"/>
+                </a:solidFill>
+                <a:latin typeface="Times New Roman"/>
+                <a:ea typeface="Times New Roman"/>
+                <a:cs typeface="Times New Roman"/>
+                <a:sym typeface="Times New Roman"/>
+              </a:rPr>
+              <a:t>п</a:t>
+            </a:r>
+            <a:r>
               <a:rPr lang="ru-RU" sz="2000" dirty="0">
                 <a:solidFill>
                   <a:schemeClr val="dk1"/>
@@ -15049,7 +15152,116 @@
                 <a:cs typeface="Times New Roman"/>
                 <a:sym typeface="Times New Roman"/>
               </a:rPr>
-              <a:t>Проведен анализ типов БД и СУБД;</a:t>
+              <a:t>роведен анализ типов БД  с их преимуществами и недостатками;</a:t>
+            </a:r>
+          </a:p>
+          <a:p>
+            <a:pPr marL="384048" lvl="0" indent="-384048" algn="l" rtl="0">
+              <a:lnSpc>
+                <a:spcPct val="94000"/>
+              </a:lnSpc>
+              <a:spcBef>
+                <a:spcPts val="1200"/>
+              </a:spcBef>
+              <a:spcAft>
+                <a:spcPts val="0"/>
+              </a:spcAft>
+              <a:buClr>
+                <a:schemeClr val="dk1"/>
+              </a:buClr>
+              <a:buSzPts val="2000"/>
+              <a:buChar char="■"/>
+            </a:pPr>
+            <a:r>
+              <a:rPr lang="ru-RU" dirty="0">
+                <a:solidFill>
+                  <a:schemeClr val="dk1"/>
+                </a:solidFill>
+                <a:latin typeface="Times New Roman"/>
+                <a:cs typeface="Times New Roman"/>
+                <a:sym typeface="Times New Roman"/>
+              </a:rPr>
+              <a:t>проведен анализ СУБД, также с учетом их плюсов и минусов;</a:t>
+            </a:r>
+          </a:p>
+          <a:p>
+            <a:pPr marL="384048" lvl="0" indent="-384048" algn="l" rtl="0">
+              <a:lnSpc>
+                <a:spcPct val="94000"/>
+              </a:lnSpc>
+              <a:spcBef>
+                <a:spcPts val="1200"/>
+              </a:spcBef>
+              <a:spcAft>
+                <a:spcPts val="0"/>
+              </a:spcAft>
+              <a:buClr>
+                <a:schemeClr val="dk1"/>
+              </a:buClr>
+              <a:buSzPts val="2000"/>
+              <a:buChar char="■"/>
+            </a:pPr>
+            <a:r>
+              <a:rPr lang="ru-RU" dirty="0">
+                <a:solidFill>
+                  <a:schemeClr val="dk1"/>
+                </a:solidFill>
+                <a:latin typeface="Times New Roman"/>
+                <a:cs typeface="Times New Roman"/>
+                <a:sym typeface="Times New Roman"/>
+              </a:rPr>
+              <a:t>построение </a:t>
+            </a:r>
+            <a:r>
+              <a:rPr lang="en-US" dirty="0">
+                <a:solidFill>
+                  <a:schemeClr val="dk1"/>
+                </a:solidFill>
+                <a:latin typeface="Times New Roman"/>
+                <a:cs typeface="Times New Roman"/>
+                <a:sym typeface="Times New Roman"/>
+              </a:rPr>
+              <a:t>ER </a:t>
+            </a:r>
+            <a:r>
+              <a:rPr lang="ru-RU" dirty="0">
+                <a:solidFill>
+                  <a:schemeClr val="dk1"/>
+                </a:solidFill>
+                <a:latin typeface="Times New Roman"/>
+                <a:cs typeface="Times New Roman"/>
+                <a:sym typeface="Times New Roman"/>
+              </a:rPr>
+              <a:t>диаграммы предметной области;</a:t>
+            </a:r>
+          </a:p>
+          <a:p>
+            <a:pPr marL="384048" lvl="0" indent="-384048" algn="l" rtl="0">
+              <a:lnSpc>
+                <a:spcPct val="94000"/>
+              </a:lnSpc>
+              <a:spcBef>
+                <a:spcPts val="1200"/>
+              </a:spcBef>
+              <a:spcAft>
+                <a:spcPts val="0"/>
+              </a:spcAft>
+              <a:buClr>
+                <a:schemeClr val="dk1"/>
+              </a:buClr>
+              <a:buSzPts val="2000"/>
+              <a:buChar char="■"/>
+            </a:pPr>
+            <a:r>
+              <a:rPr lang="ru-RU" dirty="0">
+                <a:solidFill>
+                  <a:schemeClr val="dk1"/>
+                </a:solidFill>
+                <a:latin typeface="Times New Roman"/>
+                <a:cs typeface="Times New Roman"/>
+                <a:sym typeface="Times New Roman"/>
+              </a:rPr>
+              <a:t>на основе анализа выбор инструментов для разработки приложения;</a:t>
             </a:r>
             <a:endParaRPr dirty="0"/>
           </a:p>
@@ -15176,29 +15388,6 @@
               </a:rPr>
               <a:t>ER-модель </a:t>
             </a:r>
-            <a:br>
-              <a:rPr lang="en-US" dirty="0">
-                <a:solidFill>
-                  <a:schemeClr val="dk1"/>
-                </a:solidFill>
-                <a:latin typeface="Times New Roman"/>
-                <a:ea typeface="Times New Roman"/>
-                <a:cs typeface="Times New Roman"/>
-                <a:sym typeface="Times New Roman"/>
-              </a:rPr>
-            </a:br>
-            <a:r>
-              <a:rPr lang="ru-RU" dirty="0">
-                <a:solidFill>
-                  <a:schemeClr val="dk1"/>
-                </a:solidFill>
-                <a:latin typeface="Times New Roman"/>
-                <a:ea typeface="Times New Roman"/>
-                <a:cs typeface="Times New Roman"/>
-                <a:sym typeface="Times New Roman"/>
-              </a:rPr>
-              <a:t>структуры БД</a:t>
-            </a:r>
             <a:endParaRPr dirty="0">
               <a:latin typeface="Times New Roman"/>
               <a:ea typeface="Times New Roman"/>
@@ -15322,7 +15511,7 @@
         <p:spPr>
           <a:xfrm>
             <a:off x="5357091" y="99882"/>
-            <a:ext cx="6494037" cy="6658236"/>
+            <a:ext cx="6306589" cy="6466049"/>
           </a:xfrm>
           <a:prstGeom prst="rect">
             <a:avLst/>
@@ -15765,483 +15954,6 @@
   <p:cSld>
     <p:spTree>
       <p:nvGrpSpPr>
-        <p:cNvPr id="1" name="Shape 120"/>
-        <p:cNvGrpSpPr/>
-        <p:nvPr/>
-      </p:nvGrpSpPr>
-      <p:grpSpPr>
-        <a:xfrm>
-          <a:off x="0" y="0"/>
-          <a:ext cx="0" cy="0"/>
-          <a:chOff x="0" y="0"/>
-          <a:chExt cx="0" cy="0"/>
-        </a:xfrm>
-      </p:grpSpPr>
-      <p:sp>
-        <p:nvSpPr>
-          <p:cNvPr id="121" name="Google Shape;121;p17"/>
-          <p:cNvSpPr txBox="1">
-            <a:spLocks noGrp="1"/>
-          </p:cNvSpPr>
-          <p:nvPr>
-            <p:ph type="title"/>
-          </p:nvPr>
-        </p:nvSpPr>
-        <p:spPr>
-          <a:xfrm>
-            <a:off x="1371600" y="685800"/>
-            <a:ext cx="9601200" cy="1485900"/>
-          </a:xfrm>
-          <a:prstGeom prst="rect">
-            <a:avLst/>
-          </a:prstGeom>
-          <a:noFill/>
-          <a:ln>
-            <a:noFill/>
-          </a:ln>
-        </p:spPr>
-        <p:txBody>
-          <a:bodyPr spcFirstLastPara="1" wrap="square" lIns="91425" tIns="45700" rIns="91425" bIns="45700" anchor="t" anchorCtr="0">
-            <a:normAutofit/>
-          </a:bodyPr>
-          <a:lstStyle/>
-          <a:p>
-            <a:pPr marL="0" lvl="0" indent="0" algn="l" rtl="0">
-              <a:lnSpc>
-                <a:spcPct val="89000"/>
-              </a:lnSpc>
-              <a:spcBef>
-                <a:spcPts val="0"/>
-              </a:spcBef>
-              <a:spcAft>
-                <a:spcPts val="0"/>
-              </a:spcAft>
-              <a:buClr>
-                <a:srgbClr val="0C0C0C"/>
-              </a:buClr>
-              <a:buSzPts val="4400"/>
-              <a:buFont typeface="Times New Roman"/>
-              <a:buNone/>
-            </a:pPr>
-            <a:r>
-              <a:rPr lang="ru-RU" b="0" cap="none" dirty="0">
-                <a:solidFill>
-                  <a:srgbClr val="0C0C0C"/>
-                </a:solidFill>
-                <a:latin typeface="Times New Roman"/>
-                <a:ea typeface="Times New Roman"/>
-                <a:cs typeface="Times New Roman"/>
-                <a:sym typeface="Times New Roman"/>
-              </a:rPr>
-              <a:t>Инструменты разработки:</a:t>
-            </a:r>
-            <a:endParaRPr dirty="0">
-              <a:latin typeface="Times New Roman"/>
-              <a:ea typeface="Times New Roman"/>
-              <a:cs typeface="Times New Roman"/>
-              <a:sym typeface="Times New Roman"/>
-            </a:endParaRPr>
-          </a:p>
-        </p:txBody>
-      </p:sp>
-      <p:sp>
-        <p:nvSpPr>
-          <p:cNvPr id="122" name="Google Shape;122;p17"/>
-          <p:cNvSpPr txBox="1">
-            <a:spLocks noGrp="1"/>
-          </p:cNvSpPr>
-          <p:nvPr>
-            <p:ph type="body" idx="1"/>
-          </p:nvPr>
-        </p:nvSpPr>
-        <p:spPr>
-          <a:xfrm>
-            <a:off x="1371600" y="2286000"/>
-            <a:ext cx="9601200" cy="3581400"/>
-          </a:xfrm>
-          <a:prstGeom prst="rect">
-            <a:avLst/>
-          </a:prstGeom>
-          <a:noFill/>
-          <a:ln>
-            <a:noFill/>
-          </a:ln>
-        </p:spPr>
-        <p:txBody>
-          <a:bodyPr spcFirstLastPara="1" wrap="square" lIns="91425" tIns="45700" rIns="91425" bIns="45700" anchor="t" anchorCtr="0">
-            <a:normAutofit/>
-          </a:bodyPr>
-          <a:lstStyle/>
-          <a:p>
-            <a:pPr marL="384048" lvl="0" indent="-384048" algn="l" rtl="0">
-              <a:lnSpc>
-                <a:spcPct val="94000"/>
-              </a:lnSpc>
-              <a:spcBef>
-                <a:spcPts val="0"/>
-              </a:spcBef>
-              <a:spcAft>
-                <a:spcPts val="0"/>
-              </a:spcAft>
-              <a:buClr>
-                <a:schemeClr val="dk2"/>
-              </a:buClr>
-              <a:buSzPts val="2000"/>
-              <a:buChar char="■"/>
-            </a:pPr>
-            <a:r>
-              <a:rPr lang="ru-RU" dirty="0">
-                <a:latin typeface="Times New Roman"/>
-                <a:ea typeface="Times New Roman"/>
-                <a:cs typeface="Times New Roman"/>
-                <a:sym typeface="Times New Roman"/>
-              </a:rPr>
-              <a:t>База данных:</a:t>
-            </a:r>
-            <a:endParaRPr dirty="0">
-              <a:latin typeface="Times New Roman"/>
-              <a:ea typeface="Times New Roman"/>
-              <a:cs typeface="Times New Roman"/>
-              <a:sym typeface="Times New Roman"/>
-            </a:endParaRPr>
-          </a:p>
-          <a:p>
-            <a:pPr marL="914400" lvl="1" indent="-384048" algn="l" rtl="0">
-              <a:lnSpc>
-                <a:spcPct val="94000"/>
-              </a:lnSpc>
-              <a:spcBef>
-                <a:spcPts val="700"/>
-              </a:spcBef>
-              <a:spcAft>
-                <a:spcPts val="0"/>
-              </a:spcAft>
-              <a:buClr>
-                <a:srgbClr val="212529"/>
-              </a:buClr>
-              <a:buSzPts val="2000"/>
-              <a:buChar char="–"/>
-            </a:pPr>
-            <a:r>
-              <a:rPr lang="ru-RU" b="0" i="0" dirty="0">
-                <a:solidFill>
-                  <a:srgbClr val="212529"/>
-                </a:solidFill>
-                <a:latin typeface="Times New Roman"/>
-                <a:ea typeface="Times New Roman"/>
-                <a:cs typeface="Times New Roman"/>
-                <a:sym typeface="Times New Roman"/>
-              </a:rPr>
-              <a:t>MySQL</a:t>
-            </a:r>
-            <a:endParaRPr dirty="0">
-              <a:latin typeface="Times New Roman"/>
-              <a:ea typeface="Times New Roman"/>
-              <a:cs typeface="Times New Roman"/>
-              <a:sym typeface="Times New Roman"/>
-            </a:endParaRPr>
-          </a:p>
-          <a:p>
-            <a:pPr marL="384048" lvl="0" indent="-384048" algn="l" rtl="0">
-              <a:lnSpc>
-                <a:spcPct val="94000"/>
-              </a:lnSpc>
-              <a:spcBef>
-                <a:spcPts val="1200"/>
-              </a:spcBef>
-              <a:spcAft>
-                <a:spcPts val="0"/>
-              </a:spcAft>
-              <a:buClr>
-                <a:schemeClr val="dk2"/>
-              </a:buClr>
-              <a:buSzPts val="2000"/>
-              <a:buChar char="■"/>
-            </a:pPr>
-            <a:r>
-              <a:rPr lang="ru-RU" dirty="0">
-                <a:latin typeface="Times New Roman"/>
-                <a:ea typeface="Times New Roman"/>
-                <a:cs typeface="Times New Roman"/>
-                <a:sym typeface="Times New Roman"/>
-              </a:rPr>
-              <a:t>ПО для </a:t>
-            </a:r>
-            <a:r>
-              <a:rPr lang="ru-RU" dirty="0">
-                <a:solidFill>
-                  <a:srgbClr val="212529"/>
-                </a:solidFill>
-                <a:latin typeface="Times New Roman"/>
-                <a:ea typeface="Times New Roman"/>
-                <a:cs typeface="Times New Roman"/>
-                <a:sym typeface="Times New Roman"/>
-              </a:rPr>
-              <a:t>установки</a:t>
-            </a:r>
-            <a:r>
-              <a:rPr lang="ru-RU" b="0" i="0" dirty="0">
-                <a:solidFill>
-                  <a:srgbClr val="212529"/>
-                </a:solidFill>
-                <a:latin typeface="Times New Roman"/>
-                <a:ea typeface="Times New Roman"/>
-                <a:cs typeface="Times New Roman"/>
-                <a:sym typeface="Times New Roman"/>
-              </a:rPr>
-              <a:t> локального сервера MySQL Server:</a:t>
-            </a:r>
-            <a:endParaRPr dirty="0"/>
-          </a:p>
-          <a:p>
-            <a:pPr marL="914400" lvl="1" indent="-384048" algn="l" rtl="0">
-              <a:lnSpc>
-                <a:spcPct val="94000"/>
-              </a:lnSpc>
-              <a:spcBef>
-                <a:spcPts val="700"/>
-              </a:spcBef>
-              <a:spcAft>
-                <a:spcPts val="0"/>
-              </a:spcAft>
-              <a:buClr>
-                <a:srgbClr val="212529"/>
-              </a:buClr>
-              <a:buSzPts val="2000"/>
-              <a:buChar char="–"/>
-            </a:pPr>
-            <a:r>
-              <a:rPr lang="ru-RU" i="0" dirty="0" err="1">
-                <a:solidFill>
-                  <a:srgbClr val="212529"/>
-                </a:solidFill>
-                <a:latin typeface="Times New Roman"/>
-                <a:ea typeface="Times New Roman"/>
-                <a:cs typeface="Times New Roman"/>
-                <a:sym typeface="Times New Roman"/>
-              </a:rPr>
-              <a:t>Mamp</a:t>
-            </a:r>
-            <a:endParaRPr b="0" i="0" dirty="0">
-              <a:solidFill>
-                <a:srgbClr val="212529"/>
-              </a:solidFill>
-              <a:latin typeface="Times New Roman"/>
-              <a:ea typeface="Times New Roman"/>
-              <a:cs typeface="Times New Roman"/>
-              <a:sym typeface="Times New Roman"/>
-            </a:endParaRPr>
-          </a:p>
-          <a:p>
-            <a:pPr marL="384048" lvl="0" indent="-384048" algn="l" rtl="0">
-              <a:lnSpc>
-                <a:spcPct val="94000"/>
-              </a:lnSpc>
-              <a:spcBef>
-                <a:spcPts val="1200"/>
-              </a:spcBef>
-              <a:spcAft>
-                <a:spcPts val="0"/>
-              </a:spcAft>
-              <a:buClr>
-                <a:schemeClr val="dk2"/>
-              </a:buClr>
-              <a:buSzPts val="2000"/>
-              <a:buChar char="■"/>
-            </a:pPr>
-            <a:r>
-              <a:rPr lang="ru-RU" dirty="0">
-                <a:latin typeface="Times New Roman"/>
-                <a:ea typeface="Times New Roman"/>
-                <a:cs typeface="Times New Roman"/>
-                <a:sym typeface="Times New Roman"/>
-              </a:rPr>
-              <a:t>Среда Разработки:</a:t>
-            </a:r>
-            <a:endParaRPr lang="ru-RU" dirty="0"/>
-          </a:p>
-          <a:p>
-            <a:pPr marL="914400" lvl="1" indent="-384048" algn="l" rtl="0">
-              <a:lnSpc>
-                <a:spcPct val="94000"/>
-              </a:lnSpc>
-              <a:spcBef>
-                <a:spcPts val="700"/>
-              </a:spcBef>
-              <a:spcAft>
-                <a:spcPts val="0"/>
-              </a:spcAft>
-              <a:buClr>
-                <a:schemeClr val="dk2"/>
-              </a:buClr>
-              <a:buSzPts val="2000"/>
-              <a:buChar char="–"/>
-            </a:pPr>
-            <a:r>
-              <a:rPr lang="ru-RU" i="0" dirty="0">
-                <a:latin typeface="Times New Roman"/>
-                <a:ea typeface="Times New Roman"/>
-                <a:cs typeface="Times New Roman"/>
-                <a:sym typeface="Times New Roman"/>
-              </a:rPr>
-              <a:t>Visual Studio 2019</a:t>
-            </a:r>
-          </a:p>
-          <a:p>
-            <a:pPr indent="-384048">
-              <a:spcBef>
-                <a:spcPts val="700"/>
-              </a:spcBef>
-              <a:buSzPts val="2000"/>
-            </a:pPr>
-            <a:r>
-              <a:rPr lang="ru-RU" dirty="0">
-                <a:latin typeface="Times New Roman"/>
-                <a:ea typeface="Times New Roman"/>
-                <a:cs typeface="Times New Roman"/>
-                <a:sym typeface="Times New Roman"/>
-              </a:rPr>
-              <a:t>Фреймворк:</a:t>
-            </a:r>
-          </a:p>
-          <a:p>
-            <a:pPr lvl="1" indent="-384048">
-              <a:spcBef>
-                <a:spcPts val="700"/>
-              </a:spcBef>
-              <a:buSzPts val="2000"/>
-            </a:pPr>
-            <a:r>
-              <a:rPr lang="ru-RU" i="0" dirty="0">
-                <a:latin typeface="Times New Roman"/>
-                <a:ea typeface="Times New Roman"/>
-                <a:cs typeface="Times New Roman"/>
-                <a:sym typeface="Times New Roman"/>
-              </a:rPr>
-              <a:t>ASP.NET MVC Framework</a:t>
-            </a:r>
-            <a:br>
-              <a:rPr lang="ru-RU" dirty="0">
-                <a:latin typeface="Times New Roman"/>
-                <a:ea typeface="Times New Roman"/>
-                <a:cs typeface="Times New Roman"/>
-                <a:sym typeface="Times New Roman"/>
-              </a:rPr>
-            </a:br>
-            <a:endParaRPr dirty="0">
-              <a:latin typeface="Times New Roman"/>
-              <a:ea typeface="Times New Roman"/>
-              <a:cs typeface="Times New Roman"/>
-              <a:sym typeface="Times New Roman"/>
-            </a:endParaRPr>
-          </a:p>
-          <a:p>
-            <a:pPr marL="384048" lvl="0" indent="-257048" algn="l" rtl="0">
-              <a:lnSpc>
-                <a:spcPct val="94000"/>
-              </a:lnSpc>
-              <a:spcBef>
-                <a:spcPts val="1200"/>
-              </a:spcBef>
-              <a:spcAft>
-                <a:spcPts val="0"/>
-              </a:spcAft>
-              <a:buClr>
-                <a:schemeClr val="dk2"/>
-              </a:buClr>
-              <a:buSzPts val="2000"/>
-              <a:buNone/>
-            </a:pPr>
-            <a:endParaRPr b="0" dirty="0">
-              <a:solidFill>
-                <a:srgbClr val="212529"/>
-              </a:solidFill>
-              <a:latin typeface="Times New Roman"/>
-              <a:ea typeface="Times New Roman"/>
-              <a:cs typeface="Times New Roman"/>
-              <a:sym typeface="Times New Roman"/>
-            </a:endParaRPr>
-          </a:p>
-          <a:p>
-            <a:pPr marL="384048" lvl="0" indent="-257048" algn="l" rtl="0">
-              <a:lnSpc>
-                <a:spcPct val="94000"/>
-              </a:lnSpc>
-              <a:spcBef>
-                <a:spcPts val="1200"/>
-              </a:spcBef>
-              <a:spcAft>
-                <a:spcPts val="0"/>
-              </a:spcAft>
-              <a:buClr>
-                <a:schemeClr val="dk2"/>
-              </a:buClr>
-              <a:buSzPts val="2000"/>
-              <a:buNone/>
-            </a:pPr>
-            <a:endParaRPr i="0" dirty="0">
-              <a:solidFill>
-                <a:srgbClr val="212529"/>
-              </a:solidFill>
-              <a:latin typeface="Times New Roman"/>
-              <a:ea typeface="Times New Roman"/>
-              <a:cs typeface="Times New Roman"/>
-              <a:sym typeface="Times New Roman"/>
-            </a:endParaRPr>
-          </a:p>
-        </p:txBody>
-      </p:sp>
-      <p:sp>
-        <p:nvSpPr>
-          <p:cNvPr id="2" name="Номер слайда 1">
-            <a:extLst>
-              <a:ext uri="{FF2B5EF4-FFF2-40B4-BE49-F238E27FC236}">
-                <a16:creationId xmlns:a16="http://schemas.microsoft.com/office/drawing/2014/main" id="{10B1912E-7D88-4C19-82C6-E9D6E7913DCD}"/>
-              </a:ext>
-            </a:extLst>
-          </p:cNvPr>
-          <p:cNvSpPr>
-            <a:spLocks noGrp="1"/>
-          </p:cNvSpPr>
-          <p:nvPr>
-            <p:ph type="sldNum" idx="12"/>
-          </p:nvPr>
-        </p:nvSpPr>
-        <p:spPr/>
-        <p:txBody>
-          <a:bodyPr/>
-          <a:lstStyle/>
-          <a:p>
-            <a:pPr marL="0" lvl="0" indent="0" algn="r" rtl="0">
-              <a:spcBef>
-                <a:spcPts val="0"/>
-              </a:spcBef>
-              <a:spcAft>
-                <a:spcPts val="0"/>
-              </a:spcAft>
-              <a:buNone/>
-            </a:pPr>
-            <a:fld id="{00000000-1234-1234-1234-123412341234}" type="slidenum">
-              <a:rPr lang="ru-RU" smtClean="0"/>
-              <a:t>7</a:t>
-            </a:fld>
-            <a:endParaRPr lang="ru-RU" dirty="0"/>
-          </a:p>
-        </p:txBody>
-      </p:sp>
-    </p:spTree>
-  </p:cSld>
-  <p:clrMapOvr>
-    <a:masterClrMapping/>
-  </p:clrMapOvr>
-</p:sld>
-</file>
-
-<file path=ppt/slides/slide8.xml><?xml version="1.0" encoding="utf-8"?>
-<p:sld xmlns:a="http://schemas.openxmlformats.org/drawingml/2006/main" xmlns:r="http://schemas.openxmlformats.org/officeDocument/2006/relationships" xmlns:p="http://schemas.openxmlformats.org/presentationml/2006/main">
-  <p:cSld>
-    <p:spTree>
-      <p:nvGrpSpPr>
         <p:cNvPr id="1" name="Shape 147"/>
         <p:cNvGrpSpPr/>
         <p:nvPr/>
@@ -16433,9 +16145,486 @@
             </a:pPr>
             <a:fld id="{00000000-1234-1234-1234-123412341234}" type="slidenum">
               <a:rPr lang="ru-RU" smtClean="0"/>
+              <a:t>7</a:t>
+            </a:fld>
+            <a:endParaRPr lang="ru-RU"/>
+          </a:p>
+        </p:txBody>
+      </p:sp>
+    </p:spTree>
+  </p:cSld>
+  <p:clrMapOvr>
+    <a:masterClrMapping/>
+  </p:clrMapOvr>
+</p:sld>
+</file>
+
+<file path=ppt/slides/slide8.xml><?xml version="1.0" encoding="utf-8"?>
+<p:sld xmlns:a="http://schemas.openxmlformats.org/drawingml/2006/main" xmlns:r="http://schemas.openxmlformats.org/officeDocument/2006/relationships" xmlns:p="http://schemas.openxmlformats.org/presentationml/2006/main">
+  <p:cSld>
+    <p:spTree>
+      <p:nvGrpSpPr>
+        <p:cNvPr id="1" name="Shape 120"/>
+        <p:cNvGrpSpPr/>
+        <p:nvPr/>
+      </p:nvGrpSpPr>
+      <p:grpSpPr>
+        <a:xfrm>
+          <a:off x="0" y="0"/>
+          <a:ext cx="0" cy="0"/>
+          <a:chOff x="0" y="0"/>
+          <a:chExt cx="0" cy="0"/>
+        </a:xfrm>
+      </p:grpSpPr>
+      <p:sp>
+        <p:nvSpPr>
+          <p:cNvPr id="121" name="Google Shape;121;p17"/>
+          <p:cNvSpPr txBox="1">
+            <a:spLocks noGrp="1"/>
+          </p:cNvSpPr>
+          <p:nvPr>
+            <p:ph type="title"/>
+          </p:nvPr>
+        </p:nvSpPr>
+        <p:spPr>
+          <a:xfrm>
+            <a:off x="1371600" y="685800"/>
+            <a:ext cx="9601200" cy="1485900"/>
+          </a:xfrm>
+          <a:prstGeom prst="rect">
+            <a:avLst/>
+          </a:prstGeom>
+          <a:noFill/>
+          <a:ln>
+            <a:noFill/>
+          </a:ln>
+        </p:spPr>
+        <p:txBody>
+          <a:bodyPr spcFirstLastPara="1" wrap="square" lIns="91425" tIns="45700" rIns="91425" bIns="45700" anchor="t" anchorCtr="0">
+            <a:normAutofit/>
+          </a:bodyPr>
+          <a:lstStyle/>
+          <a:p>
+            <a:pPr marL="0" lvl="0" indent="0" algn="l" rtl="0">
+              <a:lnSpc>
+                <a:spcPct val="89000"/>
+              </a:lnSpc>
+              <a:spcBef>
+                <a:spcPts val="0"/>
+              </a:spcBef>
+              <a:spcAft>
+                <a:spcPts val="0"/>
+              </a:spcAft>
+              <a:buClr>
+                <a:srgbClr val="0C0C0C"/>
+              </a:buClr>
+              <a:buSzPts val="4400"/>
+              <a:buFont typeface="Times New Roman"/>
+              <a:buNone/>
+            </a:pPr>
+            <a:r>
+              <a:rPr lang="ru-RU" b="0" cap="none" dirty="0">
+                <a:solidFill>
+                  <a:srgbClr val="0C0C0C"/>
+                </a:solidFill>
+                <a:latin typeface="Times New Roman"/>
+                <a:ea typeface="Times New Roman"/>
+                <a:cs typeface="Times New Roman"/>
+                <a:sym typeface="Times New Roman"/>
+              </a:rPr>
+              <a:t>Инструменты разработки:</a:t>
+            </a:r>
+            <a:endParaRPr dirty="0">
+              <a:latin typeface="Times New Roman"/>
+              <a:ea typeface="Times New Roman"/>
+              <a:cs typeface="Times New Roman"/>
+              <a:sym typeface="Times New Roman"/>
+            </a:endParaRPr>
+          </a:p>
+        </p:txBody>
+      </p:sp>
+      <p:sp>
+        <p:nvSpPr>
+          <p:cNvPr id="122" name="Google Shape;122;p17"/>
+          <p:cNvSpPr txBox="1">
+            <a:spLocks noGrp="1"/>
+          </p:cNvSpPr>
+          <p:nvPr>
+            <p:ph type="body" idx="1"/>
+          </p:nvPr>
+        </p:nvSpPr>
+        <p:spPr>
+          <a:xfrm>
+            <a:off x="1371600" y="2286000"/>
+            <a:ext cx="9601200" cy="3581400"/>
+          </a:xfrm>
+          <a:prstGeom prst="rect">
+            <a:avLst/>
+          </a:prstGeom>
+          <a:noFill/>
+          <a:ln>
+            <a:noFill/>
+          </a:ln>
+        </p:spPr>
+        <p:txBody>
+          <a:bodyPr spcFirstLastPara="1" wrap="square" lIns="91425" tIns="45700" rIns="91425" bIns="45700" anchor="t" anchorCtr="0">
+            <a:normAutofit/>
+          </a:bodyPr>
+          <a:lstStyle/>
+          <a:p>
+            <a:pPr marL="384048" lvl="0" indent="-384048" algn="l" rtl="0">
+              <a:lnSpc>
+                <a:spcPct val="94000"/>
+              </a:lnSpc>
+              <a:spcBef>
+                <a:spcPts val="0"/>
+              </a:spcBef>
+              <a:spcAft>
+                <a:spcPts val="0"/>
+              </a:spcAft>
+              <a:buClr>
+                <a:schemeClr val="dk2"/>
+              </a:buClr>
+              <a:buSzPts val="2000"/>
+              <a:buChar char="■"/>
+            </a:pPr>
+            <a:r>
+              <a:rPr lang="ru-RU" dirty="0">
+                <a:latin typeface="Times New Roman"/>
+                <a:ea typeface="Times New Roman"/>
+                <a:cs typeface="Times New Roman"/>
+                <a:sym typeface="Times New Roman"/>
+              </a:rPr>
+              <a:t>База данных:</a:t>
+            </a:r>
+            <a:endParaRPr dirty="0">
+              <a:latin typeface="Times New Roman"/>
+              <a:ea typeface="Times New Roman"/>
+              <a:cs typeface="Times New Roman"/>
+              <a:sym typeface="Times New Roman"/>
+            </a:endParaRPr>
+          </a:p>
+          <a:p>
+            <a:pPr marL="914400" lvl="1" indent="-384048" algn="l" rtl="0">
+              <a:lnSpc>
+                <a:spcPct val="94000"/>
+              </a:lnSpc>
+              <a:spcBef>
+                <a:spcPts val="700"/>
+              </a:spcBef>
+              <a:spcAft>
+                <a:spcPts val="0"/>
+              </a:spcAft>
+              <a:buClr>
+                <a:srgbClr val="212529"/>
+              </a:buClr>
+              <a:buSzPts val="2000"/>
+              <a:buChar char="–"/>
+            </a:pPr>
+            <a:r>
+              <a:rPr lang="ru-RU" b="0" i="0" dirty="0">
+                <a:solidFill>
+                  <a:srgbClr val="212529"/>
+                </a:solidFill>
+                <a:latin typeface="Times New Roman"/>
+                <a:ea typeface="Times New Roman"/>
+                <a:cs typeface="Times New Roman"/>
+                <a:sym typeface="Times New Roman"/>
+              </a:rPr>
+              <a:t>MySQL</a:t>
+            </a:r>
+            <a:endParaRPr dirty="0">
+              <a:latin typeface="Times New Roman"/>
+              <a:ea typeface="Times New Roman"/>
+              <a:cs typeface="Times New Roman"/>
+              <a:sym typeface="Times New Roman"/>
+            </a:endParaRPr>
+          </a:p>
+          <a:p>
+            <a:pPr marL="384048" lvl="0" indent="-384048" algn="l" rtl="0">
+              <a:lnSpc>
+                <a:spcPct val="94000"/>
+              </a:lnSpc>
+              <a:spcBef>
+                <a:spcPts val="1200"/>
+              </a:spcBef>
+              <a:spcAft>
+                <a:spcPts val="0"/>
+              </a:spcAft>
+              <a:buClr>
+                <a:schemeClr val="dk2"/>
+              </a:buClr>
+              <a:buSzPts val="2000"/>
+              <a:buChar char="■"/>
+            </a:pPr>
+            <a:r>
+              <a:rPr lang="ru-RU" dirty="0">
+                <a:latin typeface="Times New Roman"/>
+                <a:ea typeface="Times New Roman"/>
+                <a:cs typeface="Times New Roman"/>
+                <a:sym typeface="Times New Roman"/>
+              </a:rPr>
+              <a:t>ПО для </a:t>
+            </a:r>
+            <a:r>
+              <a:rPr lang="ru-RU" dirty="0">
+                <a:solidFill>
+                  <a:srgbClr val="212529"/>
+                </a:solidFill>
+                <a:latin typeface="Times New Roman"/>
+                <a:ea typeface="Times New Roman"/>
+                <a:cs typeface="Times New Roman"/>
+                <a:sym typeface="Times New Roman"/>
+              </a:rPr>
+              <a:t>установки</a:t>
+            </a:r>
+            <a:r>
+              <a:rPr lang="ru-RU" b="0" i="0" dirty="0">
+                <a:solidFill>
+                  <a:srgbClr val="212529"/>
+                </a:solidFill>
+                <a:latin typeface="Times New Roman"/>
+                <a:ea typeface="Times New Roman"/>
+                <a:cs typeface="Times New Roman"/>
+                <a:sym typeface="Times New Roman"/>
+              </a:rPr>
+              <a:t> локального сервера MySQL Server:</a:t>
+            </a:r>
+            <a:endParaRPr dirty="0"/>
+          </a:p>
+          <a:p>
+            <a:pPr marL="914400" lvl="1" indent="-384048" algn="l" rtl="0">
+              <a:lnSpc>
+                <a:spcPct val="94000"/>
+              </a:lnSpc>
+              <a:spcBef>
+                <a:spcPts val="700"/>
+              </a:spcBef>
+              <a:spcAft>
+                <a:spcPts val="0"/>
+              </a:spcAft>
+              <a:buClr>
+                <a:srgbClr val="212529"/>
+              </a:buClr>
+              <a:buSzPts val="2000"/>
+              <a:buChar char="–"/>
+            </a:pPr>
+            <a:r>
+              <a:rPr lang="ru-RU" i="0" dirty="0" err="1">
+                <a:solidFill>
+                  <a:srgbClr val="212529"/>
+                </a:solidFill>
+                <a:latin typeface="Times New Roman"/>
+                <a:ea typeface="Times New Roman"/>
+                <a:cs typeface="Times New Roman"/>
+                <a:sym typeface="Times New Roman"/>
+              </a:rPr>
+              <a:t>Mamp</a:t>
+            </a:r>
+            <a:endParaRPr b="0" i="0" dirty="0">
+              <a:solidFill>
+                <a:srgbClr val="212529"/>
+              </a:solidFill>
+              <a:latin typeface="Times New Roman"/>
+              <a:ea typeface="Times New Roman"/>
+              <a:cs typeface="Times New Roman"/>
+              <a:sym typeface="Times New Roman"/>
+            </a:endParaRPr>
+          </a:p>
+          <a:p>
+            <a:pPr marL="384048" lvl="0" indent="-384048" algn="l" rtl="0">
+              <a:lnSpc>
+                <a:spcPct val="94000"/>
+              </a:lnSpc>
+              <a:spcBef>
+                <a:spcPts val="1200"/>
+              </a:spcBef>
+              <a:spcAft>
+                <a:spcPts val="0"/>
+              </a:spcAft>
+              <a:buClr>
+                <a:schemeClr val="dk2"/>
+              </a:buClr>
+              <a:buSzPts val="2000"/>
+              <a:buChar char="■"/>
+            </a:pPr>
+            <a:r>
+              <a:rPr lang="ru-RU" dirty="0">
+                <a:latin typeface="Times New Roman"/>
+                <a:ea typeface="Times New Roman"/>
+                <a:cs typeface="Times New Roman"/>
+                <a:sym typeface="Times New Roman"/>
+              </a:rPr>
+              <a:t>Среда Разработки:</a:t>
+            </a:r>
+            <a:endParaRPr lang="ru-RU" dirty="0"/>
+          </a:p>
+          <a:p>
+            <a:pPr marL="914400" lvl="1" indent="-384048" algn="l" rtl="0">
+              <a:lnSpc>
+                <a:spcPct val="94000"/>
+              </a:lnSpc>
+              <a:spcBef>
+                <a:spcPts val="700"/>
+              </a:spcBef>
+              <a:spcAft>
+                <a:spcPts val="0"/>
+              </a:spcAft>
+              <a:buClr>
+                <a:schemeClr val="dk2"/>
+              </a:buClr>
+              <a:buSzPts val="2000"/>
+              <a:buChar char="–"/>
+            </a:pPr>
+            <a:r>
+              <a:rPr lang="ru-RU" i="0" dirty="0">
+                <a:latin typeface="Times New Roman"/>
+                <a:ea typeface="Times New Roman"/>
+                <a:cs typeface="Times New Roman"/>
+                <a:sym typeface="Times New Roman"/>
+              </a:rPr>
+              <a:t>Visual Studio 2019</a:t>
+            </a:r>
+          </a:p>
+          <a:p>
+            <a:pPr indent="-384048">
+              <a:spcBef>
+                <a:spcPts val="700"/>
+              </a:spcBef>
+              <a:buSzPts val="2000"/>
+            </a:pPr>
+            <a:r>
+              <a:rPr lang="ru-RU" dirty="0">
+                <a:latin typeface="Times New Roman"/>
+                <a:ea typeface="Times New Roman"/>
+                <a:cs typeface="Times New Roman"/>
+                <a:sym typeface="Times New Roman"/>
+              </a:rPr>
+              <a:t>Фреймворк:</a:t>
+            </a:r>
+          </a:p>
+          <a:p>
+            <a:pPr lvl="1" indent="-384048">
+              <a:spcBef>
+                <a:spcPts val="700"/>
+              </a:spcBef>
+              <a:buSzPts val="2000"/>
+            </a:pPr>
+            <a:r>
+              <a:rPr lang="ru-RU" i="0" dirty="0">
+                <a:latin typeface="Times New Roman"/>
+                <a:ea typeface="Times New Roman"/>
+                <a:cs typeface="Times New Roman"/>
+                <a:sym typeface="Times New Roman"/>
+              </a:rPr>
+              <a:t>ASP.NET MVC Framework</a:t>
+            </a:r>
+            <a:br>
+              <a:rPr lang="ru-RU" dirty="0">
+                <a:latin typeface="Times New Roman"/>
+                <a:ea typeface="Times New Roman"/>
+                <a:cs typeface="Times New Roman"/>
+                <a:sym typeface="Times New Roman"/>
+              </a:rPr>
+            </a:br>
+            <a:endParaRPr dirty="0">
+              <a:latin typeface="Times New Roman"/>
+              <a:ea typeface="Times New Roman"/>
+              <a:cs typeface="Times New Roman"/>
+              <a:sym typeface="Times New Roman"/>
+            </a:endParaRPr>
+          </a:p>
+          <a:p>
+            <a:pPr marL="384048" lvl="0" indent="-257048" algn="l" rtl="0">
+              <a:lnSpc>
+                <a:spcPct val="94000"/>
+              </a:lnSpc>
+              <a:spcBef>
+                <a:spcPts val="1200"/>
+              </a:spcBef>
+              <a:spcAft>
+                <a:spcPts val="0"/>
+              </a:spcAft>
+              <a:buClr>
+                <a:schemeClr val="dk2"/>
+              </a:buClr>
+              <a:buSzPts val="2000"/>
+              <a:buNone/>
+            </a:pPr>
+            <a:endParaRPr b="0" dirty="0">
+              <a:solidFill>
+                <a:srgbClr val="212529"/>
+              </a:solidFill>
+              <a:latin typeface="Times New Roman"/>
+              <a:ea typeface="Times New Roman"/>
+              <a:cs typeface="Times New Roman"/>
+              <a:sym typeface="Times New Roman"/>
+            </a:endParaRPr>
+          </a:p>
+          <a:p>
+            <a:pPr marL="384048" lvl="0" indent="-257048" algn="l" rtl="0">
+              <a:lnSpc>
+                <a:spcPct val="94000"/>
+              </a:lnSpc>
+              <a:spcBef>
+                <a:spcPts val="1200"/>
+              </a:spcBef>
+              <a:spcAft>
+                <a:spcPts val="0"/>
+              </a:spcAft>
+              <a:buClr>
+                <a:schemeClr val="dk2"/>
+              </a:buClr>
+              <a:buSzPts val="2000"/>
+              <a:buNone/>
+            </a:pPr>
+            <a:endParaRPr i="0" dirty="0">
+              <a:solidFill>
+                <a:srgbClr val="212529"/>
+              </a:solidFill>
+              <a:latin typeface="Times New Roman"/>
+              <a:ea typeface="Times New Roman"/>
+              <a:cs typeface="Times New Roman"/>
+              <a:sym typeface="Times New Roman"/>
+            </a:endParaRPr>
+          </a:p>
+        </p:txBody>
+      </p:sp>
+      <p:sp>
+        <p:nvSpPr>
+          <p:cNvPr id="2" name="Номер слайда 1">
+            <a:extLst>
+              <a:ext uri="{FF2B5EF4-FFF2-40B4-BE49-F238E27FC236}">
+                <a16:creationId xmlns:a16="http://schemas.microsoft.com/office/drawing/2014/main" id="{10B1912E-7D88-4C19-82C6-E9D6E7913DCD}"/>
+              </a:ext>
+            </a:extLst>
+          </p:cNvPr>
+          <p:cNvSpPr>
+            <a:spLocks noGrp="1"/>
+          </p:cNvSpPr>
+          <p:nvPr>
+            <p:ph type="sldNum" idx="12"/>
+          </p:nvPr>
+        </p:nvSpPr>
+        <p:spPr/>
+        <p:txBody>
+          <a:bodyPr/>
+          <a:lstStyle/>
+          <a:p>
+            <a:pPr marL="0" lvl="0" indent="0" algn="r" rtl="0">
+              <a:spcBef>
+                <a:spcPts val="0"/>
+              </a:spcBef>
+              <a:spcAft>
+                <a:spcPts val="0"/>
+              </a:spcAft>
+              <a:buNone/>
+            </a:pPr>
+            <a:fld id="{00000000-1234-1234-1234-123412341234}" type="slidenum">
+              <a:rPr lang="ru-RU" smtClean="0"/>
               <a:t>8</a:t>
             </a:fld>
-            <a:endParaRPr lang="ru-RU"/>
+            <a:endParaRPr lang="ru-RU" dirty="0"/>
           </a:p>
         </p:txBody>
       </p:sp>
